--- a/图论(拓扑Tarjan欧拉回路传递闭包差分约束杂题选讲).pptx
+++ b/图论(拓扑Tarjan欧拉回路传递闭包差分约束杂题选讲).pptx
@@ -10410,7 +10410,7 @@
                               <a:ea typeface="Cambria Math"/>
                               <a:cs typeface="Cambria Math"/>
                             </a:rPr>
-                            <m:t>M</m:t>
+                            <m:t>N</m:t>
                           </m:r>
                         </m:e>
                         <m:sup>
@@ -10473,7 +10473,7 @@
                           <a:ea typeface="Cambria Math"/>
                           <a:cs typeface="Cambria Math"/>
                         </a:rPr>
-                        <m:t>M</m:t>
+                        <m:t>N</m:t>
                       </m:r>
                     </m:oMath>
                   </m:oMathPara>
@@ -13500,6 +13500,30 @@
               <a:defRPr/>
             </a:pPr>
             <a:r>
+              <a:rPr lang="zh-CN" sz="2150" b="0" i="0" u="none" strike="noStrike" cap="none" spc="0">
+                <a:solidFill>
+                  <a:srgbClr val="333333"/>
+                </a:solidFill>
+                <a:latin typeface="Liberation Sans"/>
+                <a:ea typeface="Liberation Sans"/>
+                <a:cs typeface="Liberation Sans"/>
+              </a:rPr>
+              <a:t>P2746 [USACO5.3]校园网Network of Schools</a:t>
+            </a:r>
+            <a:endParaRPr sz="2150" b="0" i="0" u="none">
+              <a:solidFill>
+                <a:srgbClr val="333333"/>
+              </a:solidFill>
+              <a:latin typeface="Liberation Sans"/>
+              <a:ea typeface="Liberation Sans"/>
+              <a:cs typeface="Liberation Sans"/>
+            </a:endParaRPr>
+          </a:p>
+          <a:p>
+            <a:pPr>
+              <a:defRPr/>
+            </a:pPr>
+            <a:r>
               <a:rPr sz="2150" b="0" i="0" u="none">
                 <a:solidFill>
                   <a:srgbClr val="333333"/>
@@ -13856,20 +13880,7 @@
             </a:pPr>
             <a:r>
               <a:rPr/>
-              <a:t>LCA（</a:t>
-            </a:r>
-            <a:r>
-              <a:rPr lang="zh-CN" sz="2800" b="0" i="0" u="none" strike="noStrike" cap="none" spc="0">
-                <a:solidFill>
-                  <a:schemeClr val="tx2">
-                    <a:lumMod val="50000"/>
-                  </a:schemeClr>
-                </a:solidFill>
-                <a:latin typeface="+mn-lt"/>
-                <a:ea typeface="+mn-ea"/>
-                <a:cs typeface="+mn-cs"/>
-              </a:rPr>
-              <a:t>严重偏离Tarjan思想</a:t>
+              <a:t>LCA（离线</a:t>
             </a:r>
             <a:r>
               <a:rPr/>
@@ -13893,7 +13904,7 @@
             </a:pPr>
             <a:r>
               <a:rPr/>
-              <a:t>Tarjan本人的思想和现在的代码实现不符，按照他的思路写代码写出来是错的。</a:t>
+              <a:t>Tarjan本人的思想和现在的代码实现不符，按照他的思路写代码写出来是错的。（low[v]和dfn[v]悖论）</a:t>
             </a:r>
             <a:endParaRPr/>
           </a:p>
@@ -14028,7 +14039,7 @@
             </a:pPr>
             <a:r>
               <a:rPr/>
-              <a:t>LCA：寄</a:t>
+              <a:t>LCA：瞎搞</a:t>
             </a:r>
             <a:endParaRPr/>
           </a:p>
